--- a/CNN-bayesian-share-price-prediction/X-Channel-Images-Project/readme_images/ppt-images.pptx
+++ b/CNN-bayesian-share-price-prediction/X-Channel-Images-Project/readme_images/ppt-images.pptx
@@ -104,6 +104,11 @@
       </a:defRPr>
     </a:lvl9pPr>
   </p:defaultTextStyle>
+  <p:extLst>
+    <p:ext uri="{EFAFB233-063F-42B5-8137-9DF3F51BA10A}">
+      <p15:sldGuideLst xmlns:p15="http://schemas.microsoft.com/office/powerpoint/2012/main"/>
+    </p:ext>
+  </p:extLst>
 </p:presentation>
 </file>
 
@@ -256,7 +261,7 @@
           <a:p>
             <a:fld id="{D2327805-8108-4D4F-AC09-57EC179EE748}" type="datetimeFigureOut">
               <a:rPr lang="en-GB" smtClean="0"/>
-              <a:t>29/07/2024</a:t>
+              <a:t>30/07/2024</a:t>
             </a:fld>
             <a:endParaRPr lang="en-GB"/>
           </a:p>
@@ -456,7 +461,7 @@
           <a:p>
             <a:fld id="{D2327805-8108-4D4F-AC09-57EC179EE748}" type="datetimeFigureOut">
               <a:rPr lang="en-GB" smtClean="0"/>
-              <a:t>29/07/2024</a:t>
+              <a:t>30/07/2024</a:t>
             </a:fld>
             <a:endParaRPr lang="en-GB"/>
           </a:p>
@@ -666,7 +671,7 @@
           <a:p>
             <a:fld id="{D2327805-8108-4D4F-AC09-57EC179EE748}" type="datetimeFigureOut">
               <a:rPr lang="en-GB" smtClean="0"/>
-              <a:t>29/07/2024</a:t>
+              <a:t>30/07/2024</a:t>
             </a:fld>
             <a:endParaRPr lang="en-GB"/>
           </a:p>
@@ -866,7 +871,7 @@
           <a:p>
             <a:fld id="{D2327805-8108-4D4F-AC09-57EC179EE748}" type="datetimeFigureOut">
               <a:rPr lang="en-GB" smtClean="0"/>
-              <a:t>29/07/2024</a:t>
+              <a:t>30/07/2024</a:t>
             </a:fld>
             <a:endParaRPr lang="en-GB"/>
           </a:p>
@@ -1142,7 +1147,7 @@
           <a:p>
             <a:fld id="{D2327805-8108-4D4F-AC09-57EC179EE748}" type="datetimeFigureOut">
               <a:rPr lang="en-GB" smtClean="0"/>
-              <a:t>29/07/2024</a:t>
+              <a:t>30/07/2024</a:t>
             </a:fld>
             <a:endParaRPr lang="en-GB"/>
           </a:p>
@@ -1410,7 +1415,7 @@
           <a:p>
             <a:fld id="{D2327805-8108-4D4F-AC09-57EC179EE748}" type="datetimeFigureOut">
               <a:rPr lang="en-GB" smtClean="0"/>
-              <a:t>29/07/2024</a:t>
+              <a:t>30/07/2024</a:t>
             </a:fld>
             <a:endParaRPr lang="en-GB"/>
           </a:p>
@@ -1825,7 +1830,7 @@
           <a:p>
             <a:fld id="{D2327805-8108-4D4F-AC09-57EC179EE748}" type="datetimeFigureOut">
               <a:rPr lang="en-GB" smtClean="0"/>
-              <a:t>29/07/2024</a:t>
+              <a:t>30/07/2024</a:t>
             </a:fld>
             <a:endParaRPr lang="en-GB"/>
           </a:p>
@@ -1967,7 +1972,7 @@
           <a:p>
             <a:fld id="{D2327805-8108-4D4F-AC09-57EC179EE748}" type="datetimeFigureOut">
               <a:rPr lang="en-GB" smtClean="0"/>
-              <a:t>29/07/2024</a:t>
+              <a:t>30/07/2024</a:t>
             </a:fld>
             <a:endParaRPr lang="en-GB"/>
           </a:p>
@@ -2080,7 +2085,7 @@
           <a:p>
             <a:fld id="{D2327805-8108-4D4F-AC09-57EC179EE748}" type="datetimeFigureOut">
               <a:rPr lang="en-GB" smtClean="0"/>
-              <a:t>29/07/2024</a:t>
+              <a:t>30/07/2024</a:t>
             </a:fld>
             <a:endParaRPr lang="en-GB"/>
           </a:p>
@@ -2393,7 +2398,7 @@
           <a:p>
             <a:fld id="{D2327805-8108-4D4F-AC09-57EC179EE748}" type="datetimeFigureOut">
               <a:rPr lang="en-GB" smtClean="0"/>
-              <a:t>29/07/2024</a:t>
+              <a:t>30/07/2024</a:t>
             </a:fld>
             <a:endParaRPr lang="en-GB"/>
           </a:p>
@@ -2682,7 +2687,7 @@
           <a:p>
             <a:fld id="{D2327805-8108-4D4F-AC09-57EC179EE748}" type="datetimeFigureOut">
               <a:rPr lang="en-GB" smtClean="0"/>
-              <a:t>29/07/2024</a:t>
+              <a:t>30/07/2024</a:t>
             </a:fld>
             <a:endParaRPr lang="en-GB"/>
           </a:p>
@@ -2925,7 +2930,7 @@
           <a:p>
             <a:fld id="{D2327805-8108-4D4F-AC09-57EC179EE748}" type="datetimeFigureOut">
               <a:rPr lang="en-GB" smtClean="0"/>
-              <a:t>29/07/2024</a:t>
+              <a:t>30/07/2024</a:t>
             </a:fld>
             <a:endParaRPr lang="en-GB"/>
           </a:p>
@@ -4215,7 +4220,7 @@
         </p:nvSpPr>
         <p:spPr>
           <a:xfrm>
-            <a:off x="5507630" y="1301931"/>
+            <a:off x="4119270" y="1301931"/>
             <a:ext cx="1872343" cy="1153886"/>
           </a:xfrm>
           <a:prstGeom prst="rect">
@@ -4271,7 +4276,7 @@
         </p:nvSpPr>
         <p:spPr>
           <a:xfrm>
-            <a:off x="6376596" y="2208294"/>
+            <a:off x="4988236" y="2208294"/>
             <a:ext cx="1140069" cy="310539"/>
           </a:xfrm>
           <a:prstGeom prst="rect">
@@ -4929,7 +4934,7 @@
         </p:nvSpPr>
         <p:spPr>
           <a:xfrm>
-            <a:off x="4706817" y="2218715"/>
+            <a:off x="4712616" y="1998501"/>
             <a:ext cx="1140069" cy="310539"/>
           </a:xfrm>
           <a:prstGeom prst="rect">
